--- a/conf-calls/2019-11-06/community_call_2019-11-06.pptx
+++ b/conf-calls/2019-11-06/community_call_2019-11-06.pptx
@@ -10481,7 +10481,7 @@
             </a:pPr>
             <a:r>
               <a:rPr lang="en-US" altLang="zh-CN" sz="3600" dirty="0"/>
-              <a:t>An story of supporting OCI registry</a:t>
+              <a:t>A story of supporting OCI registry</a:t>
             </a:r>
           </a:p>
           <a:p>

--- a/conf-calls/2019-11-06/community_call_2019-11-06.pptx
+++ b/conf-calls/2019-11-06/community_call_2019-11-06.pptx
@@ -201,7 +201,7 @@
           <a:p>
             <a:fld id="{4E90C406-5597-1243-A239-87CBB2C3F8E0}" type="datetimeFigureOut">
               <a:rPr lang="en-US" smtClean="0"/>
-              <a:t>11/5/19</a:t>
+              <a:t>11/6/19</a:t>
             </a:fld>
             <a:endParaRPr lang="en-US"/>
           </a:p>
@@ -699,7 +699,7 @@
           <a:p>
             <a:fld id="{7B2038F6-8AC7-C745-A412-1D5CBAF3D8B9}" type="datetimeFigureOut">
               <a:rPr lang="en-US" smtClean="0"/>
-              <a:t>11/5/19</a:t>
+              <a:t>11/6/19</a:t>
             </a:fld>
             <a:endParaRPr lang="en-US"/>
           </a:p>
@@ -897,7 +897,7 @@
           <a:p>
             <a:fld id="{7B2038F6-8AC7-C745-A412-1D5CBAF3D8B9}" type="datetimeFigureOut">
               <a:rPr lang="en-US" smtClean="0"/>
-              <a:t>11/5/19</a:t>
+              <a:t>11/6/19</a:t>
             </a:fld>
             <a:endParaRPr lang="en-US"/>
           </a:p>
@@ -1105,7 +1105,7 @@
           <a:p>
             <a:fld id="{7B2038F6-8AC7-C745-A412-1D5CBAF3D8B9}" type="datetimeFigureOut">
               <a:rPr lang="en-US" smtClean="0"/>
-              <a:t>11/5/19</a:t>
+              <a:t>11/6/19</a:t>
             </a:fld>
             <a:endParaRPr lang="en-US"/>
           </a:p>
@@ -4762,7 +4762,7 @@
           <a:p>
             <a:fld id="{7B2038F6-8AC7-C745-A412-1D5CBAF3D8B9}" type="datetimeFigureOut">
               <a:rPr lang="en-US" smtClean="0"/>
-              <a:t>11/5/19</a:t>
+              <a:t>11/6/19</a:t>
             </a:fld>
             <a:endParaRPr lang="en-US"/>
           </a:p>
@@ -5037,7 +5037,7 @@
           <a:p>
             <a:fld id="{7B2038F6-8AC7-C745-A412-1D5CBAF3D8B9}" type="datetimeFigureOut">
               <a:rPr lang="en-US" smtClean="0"/>
-              <a:t>11/5/19</a:t>
+              <a:t>11/6/19</a:t>
             </a:fld>
             <a:endParaRPr lang="en-US"/>
           </a:p>
@@ -5302,7 +5302,7 @@
           <a:p>
             <a:fld id="{7B2038F6-8AC7-C745-A412-1D5CBAF3D8B9}" type="datetimeFigureOut">
               <a:rPr lang="en-US" smtClean="0"/>
-              <a:t>11/5/19</a:t>
+              <a:t>11/6/19</a:t>
             </a:fld>
             <a:endParaRPr lang="en-US"/>
           </a:p>
@@ -5714,7 +5714,7 @@
           <a:p>
             <a:fld id="{7B2038F6-8AC7-C745-A412-1D5CBAF3D8B9}" type="datetimeFigureOut">
               <a:rPr lang="en-US" smtClean="0"/>
-              <a:t>11/5/19</a:t>
+              <a:t>11/6/19</a:t>
             </a:fld>
             <a:endParaRPr lang="en-US"/>
           </a:p>
@@ -5855,7 +5855,7 @@
           <a:p>
             <a:fld id="{7B2038F6-8AC7-C745-A412-1D5CBAF3D8B9}" type="datetimeFigureOut">
               <a:rPr lang="en-US" smtClean="0"/>
-              <a:t>11/5/19</a:t>
+              <a:t>11/6/19</a:t>
             </a:fld>
             <a:endParaRPr lang="en-US"/>
           </a:p>
@@ -5968,7 +5968,7 @@
           <a:p>
             <a:fld id="{7B2038F6-8AC7-C745-A412-1D5CBAF3D8B9}" type="datetimeFigureOut">
               <a:rPr lang="en-US" smtClean="0"/>
-              <a:t>11/5/19</a:t>
+              <a:t>11/6/19</a:t>
             </a:fld>
             <a:endParaRPr lang="en-US"/>
           </a:p>
@@ -6279,7 +6279,7 @@
           <a:p>
             <a:fld id="{7B2038F6-8AC7-C745-A412-1D5CBAF3D8B9}" type="datetimeFigureOut">
               <a:rPr lang="en-US" smtClean="0"/>
-              <a:t>11/5/19</a:t>
+              <a:t>11/6/19</a:t>
             </a:fld>
             <a:endParaRPr lang="en-US"/>
           </a:p>
@@ -6567,7 +6567,7 @@
           <a:p>
             <a:fld id="{7B2038F6-8AC7-C745-A412-1D5CBAF3D8B9}" type="datetimeFigureOut">
               <a:rPr lang="en-US" smtClean="0"/>
-              <a:t>11/5/19</a:t>
+              <a:t>11/6/19</a:t>
             </a:fld>
             <a:endParaRPr lang="en-US"/>
           </a:p>
@@ -6808,7 +6808,7 @@
           <a:p>
             <a:fld id="{7B2038F6-8AC7-C745-A412-1D5CBAF3D8B9}" type="datetimeFigureOut">
               <a:rPr lang="en-US" smtClean="0"/>
-              <a:t>11/5/19</a:t>
+              <a:t>11/6/19</a:t>
             </a:fld>
             <a:endParaRPr lang="en-US"/>
           </a:p>
@@ -10345,15 +10345,50 @@
           <a:lstStyle/>
           <a:p>
             <a:r>
-              <a:rPr lang="en-US" altLang="zh-CN" sz="3200" dirty="0"/>
+              <a:rPr lang="en-US" altLang="zh-CN" sz="2400" dirty="0"/>
+              <a:t>Community updates</a:t>
+            </a:r>
+          </a:p>
+          <a:p>
+            <a:pPr lvl="1">
+              <a:lnSpc>
+                <a:spcPct val="114999"/>
+              </a:lnSpc>
+            </a:pPr>
+            <a:r>
+              <a:rPr lang="en-US" altLang="zh-CN" sz="2000" dirty="0"/>
+              <a:t>Clair v2 NVD xml feed retire issue, severity levels is shown Unknown.</a:t>
+            </a:r>
+          </a:p>
+          <a:p>
+            <a:pPr lvl="1">
+              <a:lnSpc>
+                <a:spcPct val="114999"/>
+              </a:lnSpc>
+            </a:pPr>
+            <a:r>
+              <a:rPr lang="en-US" sz="2000" dirty="0">
+                <a:hlinkClick r:id="rId2"/>
+              </a:rPr>
+              <a:t>https://github.com/coreos/clair/issues/872</a:t>
+            </a:r>
+            <a:r>
+              <a:rPr lang="en-US" sz="2000" dirty="0"/>
+              <a:t> </a:t>
+            </a:r>
+            <a:endParaRPr lang="en-US" altLang="zh-CN" sz="2000" dirty="0"/>
+          </a:p>
+          <a:p>
+            <a:r>
+              <a:rPr lang="en-US" altLang="zh-CN" sz="2400" dirty="0"/>
               <a:t>Release</a:t>
             </a:r>
             <a:r>
-              <a:rPr lang="zh-CN" altLang="en-US" sz="3200" dirty="0"/>
+              <a:rPr lang="zh-CN" altLang="en-US" sz="2400" dirty="0"/>
               <a:t> </a:t>
             </a:r>
             <a:r>
-              <a:rPr lang="en-US" altLang="zh-CN" sz="3200" dirty="0"/>
+              <a:rPr lang="en-US" altLang="zh-CN" sz="2400" dirty="0"/>
               <a:t>v1.10</a:t>
             </a:r>
           </a:p>
@@ -10416,29 +10451,18 @@
             </a:pPr>
             <a:r>
               <a:rPr lang="en-US" altLang="zh-CN" sz="2000" dirty="0"/>
-              <a:t>welcome to try the early build.</a:t>
-            </a:r>
-          </a:p>
-          <a:p>
-            <a:pPr lvl="1">
+              <a:t>welcome to try the early build and fixing bugs.  (about 50 bugs triaged for v1.10)</a:t>
+            </a:r>
+          </a:p>
+          <a:p>
+            <a:pPr lvl="2">
               <a:lnSpc>
                 <a:spcPct val="114999"/>
               </a:lnSpc>
             </a:pPr>
             <a:r>
-              <a:rPr lang="en-US" altLang="zh-CN" sz="2000" dirty="0"/>
-              <a:t>welcome to fixing bugs.  (about 50 bugs triaged for v1.10)</a:t>
-            </a:r>
-          </a:p>
-          <a:p>
-            <a:pPr lvl="2">
-              <a:lnSpc>
-                <a:spcPct val="114999"/>
-              </a:lnSpc>
-            </a:pPr>
-            <a:r>
               <a:rPr lang="en-US" sz="1600" dirty="0">
-                <a:hlinkClick r:id="rId2"/>
+                <a:hlinkClick r:id="rId3"/>
               </a:rPr>
               <a:t>https://github.com/goharbor/harbor/issues?q=is%3Aissue+is%3Aopen+label%3Atarget%2F1.10.0</a:t>
             </a:r>
@@ -10455,7 +10479,7 @@
               </a:lnSpc>
             </a:pPr>
             <a:r>
-              <a:rPr lang="en-US" altLang="zh-CN" sz="3600" dirty="0"/>
+              <a:rPr lang="en-US" altLang="zh-CN" sz="2400" dirty="0"/>
               <a:t>Release v1.11 planning is on-going, submit ideas:</a:t>
             </a:r>
           </a:p>
@@ -10467,7 +10491,7 @@
             </a:pPr>
             <a:r>
               <a:rPr lang="en-US" sz="2000" dirty="0">
-                <a:hlinkClick r:id="rId3"/>
+                <a:hlinkClick r:id="rId4"/>
               </a:rPr>
               <a:t>https://github.com/orgs/goharbor/projects/1</a:t>
             </a:r>
@@ -10480,7 +10504,7 @@
               </a:lnSpc>
             </a:pPr>
             <a:r>
-              <a:rPr lang="en-US" altLang="zh-CN" sz="3600" dirty="0"/>
+              <a:rPr lang="en-US" altLang="zh-CN" sz="2400" dirty="0"/>
               <a:t>A story of supporting OCI registry</a:t>
             </a:r>
           </a:p>
